--- a/priority_queue.pptx
+++ b/priority_queue.pptx
@@ -14,6 +14,7 @@
     <p:sldId id="261" r:id="rId8"/>
     <p:sldId id="262" r:id="rId9"/>
     <p:sldId id="263" r:id="rId10"/>
+    <p:sldId id="264" r:id="rId11"/>
   </p:sldIdLst>
   <p:sldSz cx="12192000" cy="6858000"/>
   <p:notesSz cx="6858000" cy="9144000"/>
@@ -1126,6 +1127,13 @@
         </dgm:presLayoutVars>
       </dgm:prSet>
       <dgm:spPr/>
+      <dgm:t>
+        <a:bodyPr/>
+        <a:lstStyle/>
+        <a:p>
+          <a:endParaRPr lang="en-US"/>
+        </a:p>
+      </dgm:t>
     </dgm:pt>
     <dgm:pt modelId="{732875B9-BF31-41FC-8F99-F904261B5206}" type="pres">
       <dgm:prSet presAssocID="{712694E7-29D1-48A0-A711-C9011FF2B2DB}" presName="hierRoot1" presStyleCnt="0">
@@ -1146,10 +1154,24 @@
         </dgm:presLayoutVars>
       </dgm:prSet>
       <dgm:spPr/>
+      <dgm:t>
+        <a:bodyPr/>
+        <a:lstStyle/>
+        <a:p>
+          <a:endParaRPr lang="en-US"/>
+        </a:p>
+      </dgm:t>
     </dgm:pt>
     <dgm:pt modelId="{E016B1AA-6A36-4742-BC42-0C769BB9C967}" type="pres">
       <dgm:prSet presAssocID="{712694E7-29D1-48A0-A711-C9011FF2B2DB}" presName="rootConnector1" presStyleLbl="node1" presStyleIdx="0" presStyleCnt="0"/>
       <dgm:spPr/>
+      <dgm:t>
+        <a:bodyPr/>
+        <a:lstStyle/>
+        <a:p>
+          <a:endParaRPr lang="en-US"/>
+        </a:p>
+      </dgm:t>
     </dgm:pt>
     <dgm:pt modelId="{0ED80077-0DBE-4771-AE7B-92533B5664F4}" type="pres">
       <dgm:prSet presAssocID="{712694E7-29D1-48A0-A711-C9011FF2B2DB}" presName="hierChild2" presStyleCnt="0"/>
@@ -1158,6 +1180,13 @@
     <dgm:pt modelId="{0E46B0CC-5EA5-4ADC-88B5-9A32366F21BB}" type="pres">
       <dgm:prSet presAssocID="{88CD2788-DDF3-4C9F-A069-9911C79337E6}" presName="Name64" presStyleLbl="parChTrans1D2" presStyleIdx="0" presStyleCnt="2"/>
       <dgm:spPr/>
+      <dgm:t>
+        <a:bodyPr/>
+        <a:lstStyle/>
+        <a:p>
+          <a:endParaRPr lang="en-US"/>
+        </a:p>
+      </dgm:t>
     </dgm:pt>
     <dgm:pt modelId="{9A5D1677-4AF1-4C7A-A3D0-2E50E92897EC}" type="pres">
       <dgm:prSet presAssocID="{2B942748-3432-4F8C-AD48-BA75DEBA9776}" presName="hierRoot2" presStyleCnt="0">
@@ -1189,6 +1218,13 @@
     <dgm:pt modelId="{B9FDC236-B014-436F-BBA2-E44D2BCC3694}" type="pres">
       <dgm:prSet presAssocID="{2B942748-3432-4F8C-AD48-BA75DEBA9776}" presName="rootConnector" presStyleLbl="node2" presStyleIdx="0" presStyleCnt="2"/>
       <dgm:spPr/>
+      <dgm:t>
+        <a:bodyPr/>
+        <a:lstStyle/>
+        <a:p>
+          <a:endParaRPr lang="en-US"/>
+        </a:p>
+      </dgm:t>
     </dgm:pt>
     <dgm:pt modelId="{872FA805-649E-4748-BBF9-A89C4CF04339}" type="pres">
       <dgm:prSet presAssocID="{2B942748-3432-4F8C-AD48-BA75DEBA9776}" presName="hierChild4" presStyleCnt="0"/>
@@ -1201,6 +1237,13 @@
     <dgm:pt modelId="{B34A0BF4-04D3-4BE4-914B-05F4A9779CD2}" type="pres">
       <dgm:prSet presAssocID="{57AD29B5-2678-4BE5-BFA4-F932419433EF}" presName="Name64" presStyleLbl="parChTrans1D2" presStyleIdx="1" presStyleCnt="2"/>
       <dgm:spPr/>
+      <dgm:t>
+        <a:bodyPr/>
+        <a:lstStyle/>
+        <a:p>
+          <a:endParaRPr lang="en-US"/>
+        </a:p>
+      </dgm:t>
     </dgm:pt>
     <dgm:pt modelId="{913B0579-3E7F-4811-A5BC-6540207FB519}" type="pres">
       <dgm:prSet presAssocID="{0B47C981-24E8-4959-A0BE-7294A51286C9}" presName="hierRoot2" presStyleCnt="0">
@@ -1221,10 +1264,24 @@
         </dgm:presLayoutVars>
       </dgm:prSet>
       <dgm:spPr/>
+      <dgm:t>
+        <a:bodyPr/>
+        <a:lstStyle/>
+        <a:p>
+          <a:endParaRPr lang="en-US"/>
+        </a:p>
+      </dgm:t>
     </dgm:pt>
     <dgm:pt modelId="{7DFB41A6-8B4B-4F20-A822-A992EE20B5DE}" type="pres">
       <dgm:prSet presAssocID="{0B47C981-24E8-4959-A0BE-7294A51286C9}" presName="rootConnector" presStyleLbl="node2" presStyleIdx="1" presStyleCnt="2"/>
       <dgm:spPr/>
+      <dgm:t>
+        <a:bodyPr/>
+        <a:lstStyle/>
+        <a:p>
+          <a:endParaRPr lang="en-US"/>
+        </a:p>
+      </dgm:t>
     </dgm:pt>
     <dgm:pt modelId="{A18EC835-0E0F-4B52-9FC1-0E0AB0EF7813}" type="pres">
       <dgm:prSet presAssocID="{0B47C981-24E8-4959-A0BE-7294A51286C9}" presName="hierChild4" presStyleCnt="0"/>
@@ -1241,17 +1298,17 @@
   </dgm:ptLst>
   <dgm:cxnLst>
     <dgm:cxn modelId="{5C52DE4F-BF26-4B74-965E-D6363AA70C89}" type="presOf" srcId="{712694E7-29D1-48A0-A711-C9011FF2B2DB}" destId="{D7EA827B-5799-4B97-AF9D-1851B6295CB3}" srcOrd="0" destOrd="0" presId="urn:microsoft.com/office/officeart/2009/3/layout/HorizontalOrganizationChart"/>
-    <dgm:cxn modelId="{52C9E954-8FAF-4FB1-AA27-9177F360C6BD}" type="presOf" srcId="{712694E7-29D1-48A0-A711-C9011FF2B2DB}" destId="{E016B1AA-6A36-4742-BC42-0C769BB9C967}" srcOrd="1" destOrd="0" presId="urn:microsoft.com/office/officeart/2009/3/layout/HorizontalOrganizationChart"/>
+    <dgm:cxn modelId="{52B7DB6B-54D6-4683-927A-9C0805503215}" type="presOf" srcId="{2B942748-3432-4F8C-AD48-BA75DEBA9776}" destId="{65CF8FFF-BFFD-4976-A782-2A78598FF713}" srcOrd="0" destOrd="0" presId="urn:microsoft.com/office/officeart/2009/3/layout/HorizontalOrganizationChart"/>
+    <dgm:cxn modelId="{1A7B0BDA-1EA5-4BBC-BBA4-C06C20FBD1DC}" type="presOf" srcId="{0B47C981-24E8-4959-A0BE-7294A51286C9}" destId="{7DFB41A6-8B4B-4F20-A822-A992EE20B5DE}" srcOrd="1" destOrd="0" presId="urn:microsoft.com/office/officeart/2009/3/layout/HorizontalOrganizationChart"/>
+    <dgm:cxn modelId="{424CEBBC-44A6-4FB1-84EB-D0B3DEF2CFFE}" srcId="{712694E7-29D1-48A0-A711-C9011FF2B2DB}" destId="{0B47C981-24E8-4959-A0BE-7294A51286C9}" srcOrd="1" destOrd="0" parTransId="{57AD29B5-2678-4BE5-BFA4-F932419433EF}" sibTransId="{E5D9A6F2-5B75-4885-B64C-2747734B929D}"/>
+    <dgm:cxn modelId="{2EF0CE03-2F47-48B2-9177-41373647AE09}" type="presOf" srcId="{88CD2788-DDF3-4C9F-A069-9911C79337E6}" destId="{0E46B0CC-5EA5-4ADC-88B5-9A32366F21BB}" srcOrd="0" destOrd="0" presId="urn:microsoft.com/office/officeart/2009/3/layout/HorizontalOrganizationChart"/>
     <dgm:cxn modelId="{DB115A71-F0D1-4AA3-9707-8CBC097F061B}" type="presOf" srcId="{0B47C981-24E8-4959-A0BE-7294A51286C9}" destId="{B76CB394-EB81-4850-8825-D0CF203E004F}" srcOrd="0" destOrd="0" presId="urn:microsoft.com/office/officeart/2009/3/layout/HorizontalOrganizationChart"/>
     <dgm:cxn modelId="{FC609284-F79C-41C9-9D0A-D0E52D53BB9E}" srcId="{668DA3BD-FE42-4963-A326-01EEDB7AA9E6}" destId="{712694E7-29D1-48A0-A711-C9011FF2B2DB}" srcOrd="0" destOrd="0" parTransId="{ED498D37-1527-4CE7-90E6-7FA2C1810F2A}" sibTransId="{60AD5B8A-614C-4C35-A02E-8BEB96F07C3A}"/>
+    <dgm:cxn modelId="{52C9E954-8FAF-4FB1-AA27-9177F360C6BD}" type="presOf" srcId="{712694E7-29D1-48A0-A711-C9011FF2B2DB}" destId="{E016B1AA-6A36-4742-BC42-0C769BB9C967}" srcOrd="1" destOrd="0" presId="urn:microsoft.com/office/officeart/2009/3/layout/HorizontalOrganizationChart"/>
     <dgm:cxn modelId="{FAB20B5B-CF8C-48C8-9C7C-0455EE9A7590}" srcId="{712694E7-29D1-48A0-A711-C9011FF2B2DB}" destId="{2B942748-3432-4F8C-AD48-BA75DEBA9776}" srcOrd="0" destOrd="0" parTransId="{88CD2788-DDF3-4C9F-A069-9911C79337E6}" sibTransId="{4D7047E6-A67B-4B06-85D9-5044CC7C5FD1}"/>
-    <dgm:cxn modelId="{52B7DB6B-54D6-4683-927A-9C0805503215}" type="presOf" srcId="{2B942748-3432-4F8C-AD48-BA75DEBA9776}" destId="{65CF8FFF-BFFD-4976-A782-2A78598FF713}" srcOrd="0" destOrd="0" presId="urn:microsoft.com/office/officeart/2009/3/layout/HorizontalOrganizationChart"/>
-    <dgm:cxn modelId="{1A7B0BDA-1EA5-4BBC-BBA4-C06C20FBD1DC}" type="presOf" srcId="{0B47C981-24E8-4959-A0BE-7294A51286C9}" destId="{7DFB41A6-8B4B-4F20-A822-A992EE20B5DE}" srcOrd="1" destOrd="0" presId="urn:microsoft.com/office/officeart/2009/3/layout/HorizontalOrganizationChart"/>
+    <dgm:cxn modelId="{685FD734-0F7B-460E-82E5-8B649BF700E9}" type="presOf" srcId="{2B942748-3432-4F8C-AD48-BA75DEBA9776}" destId="{B9FDC236-B014-436F-BBA2-E44D2BCC3694}" srcOrd="1" destOrd="0" presId="urn:microsoft.com/office/officeart/2009/3/layout/HorizontalOrganizationChart"/>
     <dgm:cxn modelId="{DFC38133-FD94-4267-9DB7-CD846DCDD611}" type="presOf" srcId="{57AD29B5-2678-4BE5-BFA4-F932419433EF}" destId="{B34A0BF4-04D3-4BE4-914B-05F4A9779CD2}" srcOrd="0" destOrd="0" presId="urn:microsoft.com/office/officeart/2009/3/layout/HorizontalOrganizationChart"/>
-    <dgm:cxn modelId="{424CEBBC-44A6-4FB1-84EB-D0B3DEF2CFFE}" srcId="{712694E7-29D1-48A0-A711-C9011FF2B2DB}" destId="{0B47C981-24E8-4959-A0BE-7294A51286C9}" srcOrd="1" destOrd="0" parTransId="{57AD29B5-2678-4BE5-BFA4-F932419433EF}" sibTransId="{E5D9A6F2-5B75-4885-B64C-2747734B929D}"/>
-    <dgm:cxn modelId="{2EF0CE03-2F47-48B2-9177-41373647AE09}" type="presOf" srcId="{88CD2788-DDF3-4C9F-A069-9911C79337E6}" destId="{0E46B0CC-5EA5-4ADC-88B5-9A32366F21BB}" srcOrd="0" destOrd="0" presId="urn:microsoft.com/office/officeart/2009/3/layout/HorizontalOrganizationChart"/>
     <dgm:cxn modelId="{BAEB10E7-5EDA-4468-B41C-B120EE021812}" type="presOf" srcId="{668DA3BD-FE42-4963-A326-01EEDB7AA9E6}" destId="{8CC7E4F2-D941-456A-B87F-DDE961CA1D48}" srcOrd="0" destOrd="0" presId="urn:microsoft.com/office/officeart/2009/3/layout/HorizontalOrganizationChart"/>
-    <dgm:cxn modelId="{685FD734-0F7B-460E-82E5-8B649BF700E9}" type="presOf" srcId="{2B942748-3432-4F8C-AD48-BA75DEBA9776}" destId="{B9FDC236-B014-436F-BBA2-E44D2BCC3694}" srcOrd="1" destOrd="0" presId="urn:microsoft.com/office/officeart/2009/3/layout/HorizontalOrganizationChart"/>
     <dgm:cxn modelId="{E3DAF73E-47E3-428C-A0CD-FFA0FD8F3DEC}" type="presParOf" srcId="{8CC7E4F2-D941-456A-B87F-DDE961CA1D48}" destId="{732875B9-BF31-41FC-8F99-F904261B5206}" srcOrd="0" destOrd="0" presId="urn:microsoft.com/office/officeart/2009/3/layout/HorizontalOrganizationChart"/>
     <dgm:cxn modelId="{5229E460-B956-4C21-A73F-02127CC5954A}" type="presParOf" srcId="{732875B9-BF31-41FC-8F99-F904261B5206}" destId="{38040FA0-38F3-4FA7-BD03-55A7A5E98971}" srcOrd="0" destOrd="0" presId="urn:microsoft.com/office/officeart/2009/3/layout/HorizontalOrganizationChart"/>
     <dgm:cxn modelId="{D740C75B-E196-43B4-A4DA-A91FA5E52A21}" type="presParOf" srcId="{38040FA0-38F3-4FA7-BD03-55A7A5E98971}" destId="{D7EA827B-5799-4B97-AF9D-1851B6295CB3}" srcOrd="0" destOrd="0" presId="urn:microsoft.com/office/officeart/2009/3/layout/HorizontalOrganizationChart"/>
@@ -1291,477 +1348,6 @@
       <dsp:cNvGrpSpPr/>
     </dsp:nvGrpSpPr>
     <dsp:grpSpPr/>
-    <dsp:sp modelId="{B34A0BF4-04D3-4BE4-914B-05F4A9779CD2}">
-      <dsp:nvSpPr>
-        <dsp:cNvPr id="0" name=""/>
-        <dsp:cNvSpPr/>
-      </dsp:nvSpPr>
-      <dsp:spPr>
-        <a:xfrm>
-          <a:off x="3320861" y="2241699"/>
-          <a:ext cx="663459" cy="713218"/>
-        </a:xfrm>
-        <a:custGeom>
-          <a:avLst/>
-          <a:gdLst/>
-          <a:ahLst/>
-          <a:cxnLst/>
-          <a:rect l="0" t="0" r="0" b="0"/>
-          <a:pathLst>
-            <a:path>
-              <a:moveTo>
-                <a:pt x="0" y="0"/>
-              </a:moveTo>
-              <a:lnTo>
-                <a:pt x="331729" y="0"/>
-              </a:lnTo>
-              <a:lnTo>
-                <a:pt x="331729" y="713218"/>
-              </a:lnTo>
-              <a:lnTo>
-                <a:pt x="663459" y="713218"/>
-              </a:lnTo>
-            </a:path>
-          </a:pathLst>
-        </a:custGeom>
-        <a:noFill/>
-        <a:ln w="25400" cap="flat" cmpd="sng" algn="ctr">
-          <a:solidFill>
-            <a:schemeClr val="accent4">
-              <a:tint val="90000"/>
-              <a:hueOff val="0"/>
-              <a:satOff val="0"/>
-              <a:lumOff val="0"/>
-              <a:alphaOff val="0"/>
-            </a:schemeClr>
-          </a:solidFill>
-          <a:prstDash val="solid"/>
-        </a:ln>
-        <a:effectLst/>
-        <a:scene3d>
-          <a:camera prst="orthographicFront"/>
-          <a:lightRig rig="flat" dir="t"/>
-        </a:scene3d>
-        <a:sp3d prstMaterial="matte"/>
-      </dsp:spPr>
-      <dsp:style>
-        <a:lnRef idx="2">
-          <a:scrgbClr r="0" g="0" b="0"/>
-        </a:lnRef>
-        <a:fillRef idx="0">
-          <a:scrgbClr r="0" g="0" b="0"/>
-        </a:fillRef>
-        <a:effectRef idx="0">
-          <a:scrgbClr r="0" g="0" b="0"/>
-        </a:effectRef>
-        <a:fontRef idx="minor"/>
-      </dsp:style>
-    </dsp:sp>
-    <dsp:sp modelId="{0E46B0CC-5EA5-4ADC-88B5-9A32366F21BB}">
-      <dsp:nvSpPr>
-        <dsp:cNvPr id="0" name=""/>
-        <dsp:cNvSpPr/>
-      </dsp:nvSpPr>
-      <dsp:spPr>
-        <a:xfrm>
-          <a:off x="3320861" y="1528481"/>
-          <a:ext cx="663459" cy="713218"/>
-        </a:xfrm>
-        <a:custGeom>
-          <a:avLst/>
-          <a:gdLst/>
-          <a:ahLst/>
-          <a:cxnLst/>
-          <a:rect l="0" t="0" r="0" b="0"/>
-          <a:pathLst>
-            <a:path>
-              <a:moveTo>
-                <a:pt x="0" y="713218"/>
-              </a:moveTo>
-              <a:lnTo>
-                <a:pt x="331729" y="713218"/>
-              </a:lnTo>
-              <a:lnTo>
-                <a:pt x="331729" y="0"/>
-              </a:lnTo>
-              <a:lnTo>
-                <a:pt x="663459" y="0"/>
-              </a:lnTo>
-            </a:path>
-          </a:pathLst>
-        </a:custGeom>
-        <a:noFill/>
-        <a:ln w="25400" cap="flat" cmpd="sng" algn="ctr">
-          <a:solidFill>
-            <a:schemeClr val="accent4">
-              <a:tint val="90000"/>
-              <a:hueOff val="0"/>
-              <a:satOff val="0"/>
-              <a:lumOff val="0"/>
-              <a:alphaOff val="0"/>
-            </a:schemeClr>
-          </a:solidFill>
-          <a:prstDash val="solid"/>
-        </a:ln>
-        <a:effectLst/>
-        <a:scene3d>
-          <a:camera prst="orthographicFront"/>
-          <a:lightRig rig="flat" dir="t"/>
-        </a:scene3d>
-        <a:sp3d prstMaterial="matte"/>
-      </dsp:spPr>
-      <dsp:style>
-        <a:lnRef idx="2">
-          <a:scrgbClr r="0" g="0" b="0"/>
-        </a:lnRef>
-        <a:fillRef idx="0">
-          <a:scrgbClr r="0" g="0" b="0"/>
-        </a:fillRef>
-        <a:effectRef idx="0">
-          <a:scrgbClr r="0" g="0" b="0"/>
-        </a:effectRef>
-        <a:fontRef idx="minor"/>
-      </dsp:style>
-    </dsp:sp>
-    <dsp:sp modelId="{D7EA827B-5799-4B97-AF9D-1851B6295CB3}">
-      <dsp:nvSpPr>
-        <dsp:cNvPr id="0" name=""/>
-        <dsp:cNvSpPr/>
-      </dsp:nvSpPr>
-      <dsp:spPr>
-        <a:xfrm>
-          <a:off x="3566" y="1735812"/>
-          <a:ext cx="3317295" cy="1011774"/>
-        </a:xfrm>
-        <a:prstGeom prst="rect">
-          <a:avLst/>
-        </a:prstGeom>
-        <a:gradFill rotWithShape="0">
-          <a:gsLst>
-            <a:gs pos="0">
-              <a:schemeClr val="accent4">
-                <a:shade val="60000"/>
-                <a:hueOff val="0"/>
-                <a:satOff val="0"/>
-                <a:lumOff val="0"/>
-                <a:alphaOff val="0"/>
-                <a:shade val="51000"/>
-                <a:satMod val="130000"/>
-              </a:schemeClr>
-            </a:gs>
-            <a:gs pos="80000">
-              <a:schemeClr val="accent4">
-                <a:shade val="60000"/>
-                <a:hueOff val="0"/>
-                <a:satOff val="0"/>
-                <a:lumOff val="0"/>
-                <a:alphaOff val="0"/>
-                <a:shade val="93000"/>
-                <a:satMod val="130000"/>
-              </a:schemeClr>
-            </a:gs>
-            <a:gs pos="100000">
-              <a:schemeClr val="accent4">
-                <a:shade val="60000"/>
-                <a:hueOff val="0"/>
-                <a:satOff val="0"/>
-                <a:lumOff val="0"/>
-                <a:alphaOff val="0"/>
-                <a:shade val="94000"/>
-                <a:satMod val="135000"/>
-              </a:schemeClr>
-            </a:gs>
-          </a:gsLst>
-          <a:lin ang="16200000" scaled="0"/>
-        </a:gradFill>
-        <a:ln>
-          <a:noFill/>
-        </a:ln>
-        <a:effectLst>
-          <a:outerShdw blurRad="40000" dist="23000" dir="5400000" rotWithShape="0">
-            <a:srgbClr val="000000">
-              <a:alpha val="35000"/>
-            </a:srgbClr>
-          </a:outerShdw>
-        </a:effectLst>
-        <a:scene3d>
-          <a:camera prst="orthographicFront"/>
-          <a:lightRig rig="flat" dir="t"/>
-        </a:scene3d>
-        <a:sp3d prstMaterial="plastic">
-          <a:bevelT w="120900" h="88900"/>
-          <a:bevelB w="88900" h="31750" prst="angle"/>
-        </a:sp3d>
-      </dsp:spPr>
-      <dsp:style>
-        <a:lnRef idx="0">
-          <a:scrgbClr r="0" g="0" b="0"/>
-        </a:lnRef>
-        <a:fillRef idx="3">
-          <a:scrgbClr r="0" g="0" b="0"/>
-        </a:fillRef>
-        <a:effectRef idx="2">
-          <a:scrgbClr r="0" g="0" b="0"/>
-        </a:effectRef>
-        <a:fontRef idx="minor">
-          <a:schemeClr val="lt1"/>
-        </a:fontRef>
-      </dsp:style>
-      <dsp:txBody>
-        <a:bodyPr spcFirstLastPara="0" vert="horz" wrap="square" lIns="22860" tIns="22860" rIns="22860" bIns="22860" numCol="1" spcCol="1270" anchor="ctr" anchorCtr="0">
-          <a:noAutofit/>
-        </a:bodyPr>
-        <a:lstStyle/>
-        <a:p>
-          <a:pPr lvl="0" algn="ctr" defTabSz="1600200">
-            <a:lnSpc>
-              <a:spcPct val="90000"/>
-            </a:lnSpc>
-            <a:spcBef>
-              <a:spcPct val="0"/>
-            </a:spcBef>
-            <a:spcAft>
-              <a:spcPct val="35000"/>
-            </a:spcAft>
-          </a:pPr>
-          <a:r>
-            <a:rPr lang="en-US" sz="3600" kern="1200" dirty="0" smtClean="0"/>
-            <a:t>Intrinsic Ordering</a:t>
-          </a:r>
-          <a:endParaRPr lang="en-US" sz="3600" kern="1200" dirty="0"/>
-        </a:p>
-      </dsp:txBody>
-      <dsp:txXfrm>
-        <a:off x="3566" y="1735812"/>
-        <a:ext cx="3317295" cy="1011774"/>
-      </dsp:txXfrm>
-    </dsp:sp>
-    <dsp:sp modelId="{65CF8FFF-BFFD-4976-A782-2A78598FF713}">
-      <dsp:nvSpPr>
-        <dsp:cNvPr id="0" name=""/>
-        <dsp:cNvSpPr/>
-      </dsp:nvSpPr>
-      <dsp:spPr>
-        <a:xfrm>
-          <a:off x="3984321" y="1022593"/>
-          <a:ext cx="3317295" cy="1011774"/>
-        </a:xfrm>
-        <a:prstGeom prst="rect">
-          <a:avLst/>
-        </a:prstGeom>
-        <a:gradFill rotWithShape="0">
-          <a:gsLst>
-            <a:gs pos="0">
-              <a:schemeClr val="accent4">
-                <a:shade val="80000"/>
-                <a:hueOff val="0"/>
-                <a:satOff val="0"/>
-                <a:lumOff val="0"/>
-                <a:alphaOff val="0"/>
-                <a:shade val="51000"/>
-                <a:satMod val="130000"/>
-              </a:schemeClr>
-            </a:gs>
-            <a:gs pos="80000">
-              <a:schemeClr val="accent4">
-                <a:shade val="80000"/>
-                <a:hueOff val="0"/>
-                <a:satOff val="0"/>
-                <a:lumOff val="0"/>
-                <a:alphaOff val="0"/>
-                <a:shade val="93000"/>
-                <a:satMod val="130000"/>
-              </a:schemeClr>
-            </a:gs>
-            <a:gs pos="100000">
-              <a:schemeClr val="accent4">
-                <a:shade val="80000"/>
-                <a:hueOff val="0"/>
-                <a:satOff val="0"/>
-                <a:lumOff val="0"/>
-                <a:alphaOff val="0"/>
-                <a:shade val="94000"/>
-                <a:satMod val="135000"/>
-              </a:schemeClr>
-            </a:gs>
-          </a:gsLst>
-          <a:lin ang="16200000" scaled="0"/>
-        </a:gradFill>
-        <a:ln>
-          <a:noFill/>
-        </a:ln>
-        <a:effectLst>
-          <a:outerShdw blurRad="40000" dist="20000" dir="5400000" rotWithShape="0">
-            <a:srgbClr val="000000">
-              <a:alpha val="38000"/>
-            </a:srgbClr>
-          </a:outerShdw>
-        </a:effectLst>
-        <a:scene3d>
-          <a:camera prst="orthographicFront"/>
-          <a:lightRig rig="flat" dir="t"/>
-        </a:scene3d>
-        <a:sp3d prstMaterial="plastic">
-          <a:bevelT w="120900" h="88900"/>
-          <a:bevelB w="88900" h="31750" prst="angle"/>
-        </a:sp3d>
-      </dsp:spPr>
-      <dsp:style>
-        <a:lnRef idx="0">
-          <a:scrgbClr r="0" g="0" b="0"/>
-        </a:lnRef>
-        <a:fillRef idx="3">
-          <a:scrgbClr r="0" g="0" b="0"/>
-        </a:fillRef>
-        <a:effectRef idx="1">
-          <a:scrgbClr r="0" g="0" b="0"/>
-        </a:effectRef>
-        <a:fontRef idx="minor">
-          <a:schemeClr val="lt1"/>
-        </a:fontRef>
-      </dsp:style>
-      <dsp:txBody>
-        <a:bodyPr spcFirstLastPara="0" vert="horz" wrap="square" lIns="22860" tIns="22860" rIns="22860" bIns="22860" numCol="1" spcCol="1270" anchor="ctr" anchorCtr="0">
-          <a:noAutofit/>
-        </a:bodyPr>
-        <a:lstStyle/>
-        <a:p>
-          <a:pPr lvl="0" algn="ctr" defTabSz="1600200">
-            <a:lnSpc>
-              <a:spcPct val="90000"/>
-            </a:lnSpc>
-            <a:spcBef>
-              <a:spcPct val="0"/>
-            </a:spcBef>
-            <a:spcAft>
-              <a:spcPct val="35000"/>
-            </a:spcAft>
-          </a:pPr>
-          <a:r>
-            <a:rPr lang="en-US" sz="3600" kern="1200" dirty="0" smtClean="0"/>
-            <a:t>Alphabetical</a:t>
-          </a:r>
-          <a:endParaRPr lang="en-US" sz="3600" kern="1200" dirty="0"/>
-        </a:p>
-      </dsp:txBody>
-      <dsp:txXfrm>
-        <a:off x="3984321" y="1022593"/>
-        <a:ext cx="3317295" cy="1011774"/>
-      </dsp:txXfrm>
-    </dsp:sp>
-    <dsp:sp modelId="{B76CB394-EB81-4850-8825-D0CF203E004F}">
-      <dsp:nvSpPr>
-        <dsp:cNvPr id="0" name=""/>
-        <dsp:cNvSpPr/>
-      </dsp:nvSpPr>
-      <dsp:spPr>
-        <a:xfrm>
-          <a:off x="3984321" y="2449030"/>
-          <a:ext cx="3317295" cy="1011774"/>
-        </a:xfrm>
-        <a:prstGeom prst="rect">
-          <a:avLst/>
-        </a:prstGeom>
-        <a:gradFill rotWithShape="0">
-          <a:gsLst>
-            <a:gs pos="0">
-              <a:schemeClr val="accent4">
-                <a:shade val="80000"/>
-                <a:hueOff val="0"/>
-                <a:satOff val="0"/>
-                <a:lumOff val="0"/>
-                <a:alphaOff val="0"/>
-                <a:shade val="51000"/>
-                <a:satMod val="130000"/>
-              </a:schemeClr>
-            </a:gs>
-            <a:gs pos="80000">
-              <a:schemeClr val="accent4">
-                <a:shade val="80000"/>
-                <a:hueOff val="0"/>
-                <a:satOff val="0"/>
-                <a:lumOff val="0"/>
-                <a:alphaOff val="0"/>
-                <a:shade val="93000"/>
-                <a:satMod val="130000"/>
-              </a:schemeClr>
-            </a:gs>
-            <a:gs pos="100000">
-              <a:schemeClr val="accent4">
-                <a:shade val="80000"/>
-                <a:hueOff val="0"/>
-                <a:satOff val="0"/>
-                <a:lumOff val="0"/>
-                <a:alphaOff val="0"/>
-                <a:shade val="94000"/>
-                <a:satMod val="135000"/>
-              </a:schemeClr>
-            </a:gs>
-          </a:gsLst>
-          <a:lin ang="16200000" scaled="0"/>
-        </a:gradFill>
-        <a:ln>
-          <a:noFill/>
-        </a:ln>
-        <a:effectLst>
-          <a:outerShdw blurRad="40000" dist="20000" dir="5400000" rotWithShape="0">
-            <a:srgbClr val="000000">
-              <a:alpha val="38000"/>
-            </a:srgbClr>
-          </a:outerShdw>
-        </a:effectLst>
-        <a:scene3d>
-          <a:camera prst="orthographicFront"/>
-          <a:lightRig rig="flat" dir="t"/>
-        </a:scene3d>
-        <a:sp3d prstMaterial="plastic">
-          <a:bevelT w="120900" h="88900"/>
-          <a:bevelB w="88900" h="31750" prst="angle"/>
-        </a:sp3d>
-      </dsp:spPr>
-      <dsp:style>
-        <a:lnRef idx="0">
-          <a:scrgbClr r="0" g="0" b="0"/>
-        </a:lnRef>
-        <a:fillRef idx="3">
-          <a:scrgbClr r="0" g="0" b="0"/>
-        </a:fillRef>
-        <a:effectRef idx="1">
-          <a:scrgbClr r="0" g="0" b="0"/>
-        </a:effectRef>
-        <a:fontRef idx="minor">
-          <a:schemeClr val="lt1"/>
-        </a:fontRef>
-      </dsp:style>
-      <dsp:txBody>
-        <a:bodyPr spcFirstLastPara="0" vert="horz" wrap="square" lIns="22860" tIns="22860" rIns="22860" bIns="22860" numCol="1" spcCol="1270" anchor="ctr" anchorCtr="0">
-          <a:noAutofit/>
-        </a:bodyPr>
-        <a:lstStyle/>
-        <a:p>
-          <a:pPr lvl="0" algn="ctr" defTabSz="1600200">
-            <a:lnSpc>
-              <a:spcPct val="90000"/>
-            </a:lnSpc>
-            <a:spcBef>
-              <a:spcPct val="0"/>
-            </a:spcBef>
-            <a:spcAft>
-              <a:spcPct val="35000"/>
-            </a:spcAft>
-          </a:pPr>
-          <a:r>
-            <a:rPr lang="en-US" sz="3600" kern="1200" dirty="0" smtClean="0"/>
-            <a:t>Numerical</a:t>
-          </a:r>
-          <a:endParaRPr lang="en-US" sz="3600" kern="1200" dirty="0"/>
-        </a:p>
-      </dsp:txBody>
-      <dsp:txXfrm>
-        <a:off x="3984321" y="2449030"/>
-        <a:ext cx="3317295" cy="1011774"/>
-      </dsp:txXfrm>
-    </dsp:sp>
   </dsp:spTree>
 </dsp:drawing>
 </file>
@@ -4305,7 +3891,7 @@
           <a:p>
             <a:fld id="{F1FF3B48-0950-4C1F-BA13-AE6403E5C014}" type="datetimeFigureOut">
               <a:rPr lang="en-US" smtClean="0"/>
-              <a:t>19|7|1</a:t>
+              <a:t>19|7|4</a:t>
             </a:fld>
             <a:endParaRPr lang="en-US"/>
           </a:p>
@@ -4497,7 +4083,7 @@
           <a:p>
             <a:fld id="{F1FF3B48-0950-4C1F-BA13-AE6403E5C014}" type="datetimeFigureOut">
               <a:rPr lang="en-US" smtClean="0"/>
-              <a:t>19|7|1</a:t>
+              <a:t>19|7|4</a:t>
             </a:fld>
             <a:endParaRPr lang="en-US"/>
           </a:p>
@@ -6506,7 +6092,7 @@
           <a:p>
             <a:fld id="{F1FF3B48-0950-4C1F-BA13-AE6403E5C014}" type="datetimeFigureOut">
               <a:rPr lang="en-US" smtClean="0"/>
-              <a:t>19|7|1</a:t>
+              <a:t>19|7|4</a:t>
             </a:fld>
             <a:endParaRPr lang="en-US"/>
           </a:p>
@@ -7344,7 +6930,7 @@
           <a:p>
             <a:fld id="{F1FF3B48-0950-4C1F-BA13-AE6403E5C014}" type="datetimeFigureOut">
               <a:rPr lang="en-US" smtClean="0"/>
-              <a:t>19|7|1</a:t>
+              <a:t>19|7|4</a:t>
             </a:fld>
             <a:endParaRPr lang="en-US"/>
           </a:p>
@@ -7644,7 +7230,7 @@
           <a:p>
             <a:fld id="{F1FF3B48-0950-4C1F-BA13-AE6403E5C014}" type="datetimeFigureOut">
               <a:rPr lang="en-US" smtClean="0"/>
-              <a:t>19|7|1</a:t>
+              <a:t>19|7|4</a:t>
             </a:fld>
             <a:endParaRPr lang="en-US"/>
           </a:p>
@@ -8083,7 +7669,7 @@
           <a:p>
             <a:fld id="{F1FF3B48-0950-4C1F-BA13-AE6403E5C014}" type="datetimeFigureOut">
               <a:rPr lang="en-US" smtClean="0"/>
-              <a:t>19|7|1</a:t>
+              <a:t>19|7|4</a:t>
             </a:fld>
             <a:endParaRPr lang="en-US"/>
           </a:p>
@@ -8213,7 +7799,7 @@
           <a:p>
             <a:fld id="{F1FF3B48-0950-4C1F-BA13-AE6403E5C014}" type="datetimeFigureOut">
               <a:rPr lang="en-US" smtClean="0"/>
-              <a:t>19|7|1</a:t>
+              <a:t>19|7|4</a:t>
             </a:fld>
             <a:endParaRPr lang="en-US"/>
           </a:p>
@@ -8320,7 +7906,7 @@
           <a:p>
             <a:fld id="{F1FF3B48-0950-4C1F-BA13-AE6403E5C014}" type="datetimeFigureOut">
               <a:rPr lang="en-US" smtClean="0"/>
-              <a:t>19|7|1</a:t>
+              <a:t>19|7|4</a:t>
             </a:fld>
             <a:endParaRPr lang="en-US"/>
           </a:p>
@@ -8609,7 +8195,7 @@
           <a:p>
             <a:fld id="{F1FF3B48-0950-4C1F-BA13-AE6403E5C014}" type="datetimeFigureOut">
               <a:rPr lang="en-US" smtClean="0"/>
-              <a:t>19|7|1</a:t>
+              <a:t>19|7|4</a:t>
             </a:fld>
             <a:endParaRPr lang="en-US"/>
           </a:p>
@@ -8878,7 +8464,7 @@
           <a:p>
             <a:fld id="{F1FF3B48-0950-4C1F-BA13-AE6403E5C014}" type="datetimeFigureOut">
               <a:rPr lang="en-US" smtClean="0"/>
-              <a:t>19|7|1</a:t>
+              <a:t>19|7|4</a:t>
             </a:fld>
             <a:endParaRPr lang="en-US"/>
           </a:p>
@@ -9213,7 +8799,7 @@
           <a:p>
             <a:fld id="{F1FF3B48-0950-4C1F-BA13-AE6403E5C014}" type="datetimeFigureOut">
               <a:rPr lang="en-US" smtClean="0"/>
-              <a:t>19|7|1</a:t>
+              <a:t>19|7|4</a:t>
             </a:fld>
             <a:endParaRPr lang="en-US"/>
           </a:p>
@@ -10646,16 +10232,11 @@
               <a:rPr lang="en-US" dirty="0" smtClean="0"/>
               <a:t>By </a:t>
             </a:r>
-            <a:endParaRPr lang="en-US" dirty="0" smtClean="0"/>
           </a:p>
           <a:p>
             <a:r>
               <a:rPr lang="en-US" b="1" dirty="0" smtClean="0"/>
-              <a:t>Aashish </a:t>
-            </a:r>
-            <a:r>
-              <a:rPr lang="en-US" b="1" dirty="0" smtClean="0"/>
-              <a:t>Tamrakar </a:t>
+              <a:t>Aashish Tamrakar </a:t>
             </a:r>
             <a:r>
               <a:rPr lang="en-US" dirty="0" smtClean="0"/>
@@ -13251,6 +12832,71 @@
 </p:sld>
 </file>
 
+<file path=ppt/slides/slide9.xml><?xml version="1.0" encoding="utf-8"?>
+<p:sld xmlns:a="http://schemas.openxmlformats.org/drawingml/2006/main" xmlns:r="http://schemas.openxmlformats.org/officeDocument/2006/relationships" xmlns:p="http://schemas.openxmlformats.org/presentationml/2006/main">
+  <p:cSld>
+    <p:spTree>
+      <p:nvGrpSpPr>
+        <p:cNvPr id="1" name=""/>
+        <p:cNvGrpSpPr/>
+        <p:nvPr/>
+      </p:nvGrpSpPr>
+      <p:grpSpPr>
+        <a:xfrm>
+          <a:off x="0" y="0"/>
+          <a:ext cx="0" cy="0"/>
+          <a:chOff x="0" y="0"/>
+          <a:chExt cx="0" cy="0"/>
+        </a:xfrm>
+      </p:grpSpPr>
+      <p:sp>
+        <p:nvSpPr>
+          <p:cNvPr id="4" name="TextBox 3"/>
+          <p:cNvSpPr txBox="1"/>
+          <p:nvPr/>
+        </p:nvSpPr>
+        <p:spPr>
+          <a:xfrm>
+            <a:off x="1043189" y="2382591"/>
+            <a:ext cx="9813701" cy="1200329"/>
+          </a:xfrm>
+          <a:prstGeom prst="rect">
+            <a:avLst/>
+          </a:prstGeom>
+          <a:noFill/>
+        </p:spPr>
+        <p:txBody>
+          <a:bodyPr wrap="square" rtlCol="0">
+            <a:spAutoFit/>
+          </a:bodyPr>
+          <a:lstStyle/>
+          <a:p>
+            <a:pPr algn="ctr"/>
+            <a:r>
+              <a:rPr lang="en-US" sz="7200" dirty="0" smtClean="0">
+                <a:latin typeface="Alaqua" pitchFamily="50" charset="0"/>
+              </a:rPr>
+              <a:t>THANK YOU</a:t>
+            </a:r>
+            <a:endParaRPr lang="en-US" sz="7200" dirty="0">
+              <a:latin typeface="Alaqua" pitchFamily="50" charset="0"/>
+            </a:endParaRPr>
+          </a:p>
+        </p:txBody>
+      </p:sp>
+    </p:spTree>
+    <p:extLst>
+      <p:ext uri="{BB962C8B-B14F-4D97-AF65-F5344CB8AC3E}">
+        <p14:creationId xmlns:p14="http://schemas.microsoft.com/office/powerpoint/2010/main" val="3700301667"/>
+      </p:ext>
+    </p:extLst>
+  </p:cSld>
+  <p:clrMapOvr>
+    <a:masterClrMapping/>
+  </p:clrMapOvr>
+</p:sld>
+</file>
+
 <file path=ppt/theme/theme1.xml><?xml version="1.0" encoding="utf-8"?>
 <a:theme xmlns:a="http://schemas.openxmlformats.org/drawingml/2006/main" name="template">
   <a:themeElements>

--- a/priority_queue.pptx
+++ b/priority_queue.pptx
@@ -11,10 +11,9 @@
     <p:sldId id="258" r:id="rId5"/>
     <p:sldId id="259" r:id="rId6"/>
     <p:sldId id="260" r:id="rId7"/>
-    <p:sldId id="261" r:id="rId8"/>
-    <p:sldId id="262" r:id="rId9"/>
-    <p:sldId id="263" r:id="rId10"/>
-    <p:sldId id="264" r:id="rId11"/>
+    <p:sldId id="262" r:id="rId8"/>
+    <p:sldId id="263" r:id="rId9"/>
+    <p:sldId id="264" r:id="rId10"/>
   </p:sldIdLst>
   <p:sldSz cx="12192000" cy="6858000"/>
   <p:notesSz cx="6858000" cy="9144000"/>
@@ -1348,6 +1347,477 @@
       <dsp:cNvGrpSpPr/>
     </dsp:nvGrpSpPr>
     <dsp:grpSpPr/>
+    <dsp:sp modelId="{B34A0BF4-04D3-4BE4-914B-05F4A9779CD2}">
+      <dsp:nvSpPr>
+        <dsp:cNvPr id="0" name=""/>
+        <dsp:cNvSpPr/>
+      </dsp:nvSpPr>
+      <dsp:spPr>
+        <a:xfrm>
+          <a:off x="3320861" y="2241699"/>
+          <a:ext cx="663459" cy="713218"/>
+        </a:xfrm>
+        <a:custGeom>
+          <a:avLst/>
+          <a:gdLst/>
+          <a:ahLst/>
+          <a:cxnLst/>
+          <a:rect l="0" t="0" r="0" b="0"/>
+          <a:pathLst>
+            <a:path>
+              <a:moveTo>
+                <a:pt x="0" y="0"/>
+              </a:moveTo>
+              <a:lnTo>
+                <a:pt x="331729" y="0"/>
+              </a:lnTo>
+              <a:lnTo>
+                <a:pt x="331729" y="713218"/>
+              </a:lnTo>
+              <a:lnTo>
+                <a:pt x="663459" y="713218"/>
+              </a:lnTo>
+            </a:path>
+          </a:pathLst>
+        </a:custGeom>
+        <a:noFill/>
+        <a:ln w="25400" cap="flat" cmpd="sng" algn="ctr">
+          <a:solidFill>
+            <a:schemeClr val="accent4">
+              <a:tint val="90000"/>
+              <a:hueOff val="0"/>
+              <a:satOff val="0"/>
+              <a:lumOff val="0"/>
+              <a:alphaOff val="0"/>
+            </a:schemeClr>
+          </a:solidFill>
+          <a:prstDash val="solid"/>
+        </a:ln>
+        <a:effectLst/>
+        <a:scene3d>
+          <a:camera prst="orthographicFront"/>
+          <a:lightRig rig="flat" dir="t"/>
+        </a:scene3d>
+        <a:sp3d prstMaterial="matte"/>
+      </dsp:spPr>
+      <dsp:style>
+        <a:lnRef idx="2">
+          <a:scrgbClr r="0" g="0" b="0"/>
+        </a:lnRef>
+        <a:fillRef idx="0">
+          <a:scrgbClr r="0" g="0" b="0"/>
+        </a:fillRef>
+        <a:effectRef idx="0">
+          <a:scrgbClr r="0" g="0" b="0"/>
+        </a:effectRef>
+        <a:fontRef idx="minor"/>
+      </dsp:style>
+    </dsp:sp>
+    <dsp:sp modelId="{0E46B0CC-5EA5-4ADC-88B5-9A32366F21BB}">
+      <dsp:nvSpPr>
+        <dsp:cNvPr id="0" name=""/>
+        <dsp:cNvSpPr/>
+      </dsp:nvSpPr>
+      <dsp:spPr>
+        <a:xfrm>
+          <a:off x="3320861" y="1528481"/>
+          <a:ext cx="663459" cy="713218"/>
+        </a:xfrm>
+        <a:custGeom>
+          <a:avLst/>
+          <a:gdLst/>
+          <a:ahLst/>
+          <a:cxnLst/>
+          <a:rect l="0" t="0" r="0" b="0"/>
+          <a:pathLst>
+            <a:path>
+              <a:moveTo>
+                <a:pt x="0" y="713218"/>
+              </a:moveTo>
+              <a:lnTo>
+                <a:pt x="331729" y="713218"/>
+              </a:lnTo>
+              <a:lnTo>
+                <a:pt x="331729" y="0"/>
+              </a:lnTo>
+              <a:lnTo>
+                <a:pt x="663459" y="0"/>
+              </a:lnTo>
+            </a:path>
+          </a:pathLst>
+        </a:custGeom>
+        <a:noFill/>
+        <a:ln w="25400" cap="flat" cmpd="sng" algn="ctr">
+          <a:solidFill>
+            <a:schemeClr val="accent4">
+              <a:tint val="90000"/>
+              <a:hueOff val="0"/>
+              <a:satOff val="0"/>
+              <a:lumOff val="0"/>
+              <a:alphaOff val="0"/>
+            </a:schemeClr>
+          </a:solidFill>
+          <a:prstDash val="solid"/>
+        </a:ln>
+        <a:effectLst/>
+        <a:scene3d>
+          <a:camera prst="orthographicFront"/>
+          <a:lightRig rig="flat" dir="t"/>
+        </a:scene3d>
+        <a:sp3d prstMaterial="matte"/>
+      </dsp:spPr>
+      <dsp:style>
+        <a:lnRef idx="2">
+          <a:scrgbClr r="0" g="0" b="0"/>
+        </a:lnRef>
+        <a:fillRef idx="0">
+          <a:scrgbClr r="0" g="0" b="0"/>
+        </a:fillRef>
+        <a:effectRef idx="0">
+          <a:scrgbClr r="0" g="0" b="0"/>
+        </a:effectRef>
+        <a:fontRef idx="minor"/>
+      </dsp:style>
+    </dsp:sp>
+    <dsp:sp modelId="{D7EA827B-5799-4B97-AF9D-1851B6295CB3}">
+      <dsp:nvSpPr>
+        <dsp:cNvPr id="0" name=""/>
+        <dsp:cNvSpPr/>
+      </dsp:nvSpPr>
+      <dsp:spPr>
+        <a:xfrm>
+          <a:off x="3566" y="1735812"/>
+          <a:ext cx="3317295" cy="1011774"/>
+        </a:xfrm>
+        <a:prstGeom prst="rect">
+          <a:avLst/>
+        </a:prstGeom>
+        <a:gradFill rotWithShape="0">
+          <a:gsLst>
+            <a:gs pos="0">
+              <a:schemeClr val="accent4">
+                <a:shade val="60000"/>
+                <a:hueOff val="0"/>
+                <a:satOff val="0"/>
+                <a:lumOff val="0"/>
+                <a:alphaOff val="0"/>
+                <a:shade val="51000"/>
+                <a:satMod val="130000"/>
+              </a:schemeClr>
+            </a:gs>
+            <a:gs pos="80000">
+              <a:schemeClr val="accent4">
+                <a:shade val="60000"/>
+                <a:hueOff val="0"/>
+                <a:satOff val="0"/>
+                <a:lumOff val="0"/>
+                <a:alphaOff val="0"/>
+                <a:shade val="93000"/>
+                <a:satMod val="130000"/>
+              </a:schemeClr>
+            </a:gs>
+            <a:gs pos="100000">
+              <a:schemeClr val="accent4">
+                <a:shade val="60000"/>
+                <a:hueOff val="0"/>
+                <a:satOff val="0"/>
+                <a:lumOff val="0"/>
+                <a:alphaOff val="0"/>
+                <a:shade val="94000"/>
+                <a:satMod val="135000"/>
+              </a:schemeClr>
+            </a:gs>
+          </a:gsLst>
+          <a:lin ang="16200000" scaled="0"/>
+        </a:gradFill>
+        <a:ln>
+          <a:noFill/>
+        </a:ln>
+        <a:effectLst>
+          <a:outerShdw blurRad="40000" dist="23000" dir="5400000" rotWithShape="0">
+            <a:srgbClr val="000000">
+              <a:alpha val="35000"/>
+            </a:srgbClr>
+          </a:outerShdw>
+        </a:effectLst>
+        <a:scene3d>
+          <a:camera prst="orthographicFront"/>
+          <a:lightRig rig="flat" dir="t"/>
+        </a:scene3d>
+        <a:sp3d prstMaterial="plastic">
+          <a:bevelT w="120900" h="88900"/>
+          <a:bevelB w="88900" h="31750" prst="angle"/>
+        </a:sp3d>
+      </dsp:spPr>
+      <dsp:style>
+        <a:lnRef idx="0">
+          <a:scrgbClr r="0" g="0" b="0"/>
+        </a:lnRef>
+        <a:fillRef idx="3">
+          <a:scrgbClr r="0" g="0" b="0"/>
+        </a:fillRef>
+        <a:effectRef idx="2">
+          <a:scrgbClr r="0" g="0" b="0"/>
+        </a:effectRef>
+        <a:fontRef idx="minor">
+          <a:schemeClr val="lt1"/>
+        </a:fontRef>
+      </dsp:style>
+      <dsp:txBody>
+        <a:bodyPr spcFirstLastPara="0" vert="horz" wrap="square" lIns="22860" tIns="22860" rIns="22860" bIns="22860" numCol="1" spcCol="1270" anchor="ctr" anchorCtr="0">
+          <a:noAutofit/>
+        </a:bodyPr>
+        <a:lstStyle/>
+        <a:p>
+          <a:pPr lvl="0" algn="ctr" defTabSz="1600200">
+            <a:lnSpc>
+              <a:spcPct val="90000"/>
+            </a:lnSpc>
+            <a:spcBef>
+              <a:spcPct val="0"/>
+            </a:spcBef>
+            <a:spcAft>
+              <a:spcPct val="35000"/>
+            </a:spcAft>
+          </a:pPr>
+          <a:r>
+            <a:rPr lang="en-US" sz="3600" kern="1200" dirty="0" smtClean="0"/>
+            <a:t>Intrinsic Ordering</a:t>
+          </a:r>
+          <a:endParaRPr lang="en-US" sz="3600" kern="1200" dirty="0"/>
+        </a:p>
+      </dsp:txBody>
+      <dsp:txXfrm>
+        <a:off x="3566" y="1735812"/>
+        <a:ext cx="3317295" cy="1011774"/>
+      </dsp:txXfrm>
+    </dsp:sp>
+    <dsp:sp modelId="{65CF8FFF-BFFD-4976-A782-2A78598FF713}">
+      <dsp:nvSpPr>
+        <dsp:cNvPr id="0" name=""/>
+        <dsp:cNvSpPr/>
+      </dsp:nvSpPr>
+      <dsp:spPr>
+        <a:xfrm>
+          <a:off x="3984321" y="1022593"/>
+          <a:ext cx="3317295" cy="1011774"/>
+        </a:xfrm>
+        <a:prstGeom prst="rect">
+          <a:avLst/>
+        </a:prstGeom>
+        <a:gradFill rotWithShape="0">
+          <a:gsLst>
+            <a:gs pos="0">
+              <a:schemeClr val="accent4">
+                <a:shade val="80000"/>
+                <a:hueOff val="0"/>
+                <a:satOff val="0"/>
+                <a:lumOff val="0"/>
+                <a:alphaOff val="0"/>
+                <a:shade val="51000"/>
+                <a:satMod val="130000"/>
+              </a:schemeClr>
+            </a:gs>
+            <a:gs pos="80000">
+              <a:schemeClr val="accent4">
+                <a:shade val="80000"/>
+                <a:hueOff val="0"/>
+                <a:satOff val="0"/>
+                <a:lumOff val="0"/>
+                <a:alphaOff val="0"/>
+                <a:shade val="93000"/>
+                <a:satMod val="130000"/>
+              </a:schemeClr>
+            </a:gs>
+            <a:gs pos="100000">
+              <a:schemeClr val="accent4">
+                <a:shade val="80000"/>
+                <a:hueOff val="0"/>
+                <a:satOff val="0"/>
+                <a:lumOff val="0"/>
+                <a:alphaOff val="0"/>
+                <a:shade val="94000"/>
+                <a:satMod val="135000"/>
+              </a:schemeClr>
+            </a:gs>
+          </a:gsLst>
+          <a:lin ang="16200000" scaled="0"/>
+        </a:gradFill>
+        <a:ln>
+          <a:noFill/>
+        </a:ln>
+        <a:effectLst>
+          <a:outerShdw blurRad="40000" dist="20000" dir="5400000" rotWithShape="0">
+            <a:srgbClr val="000000">
+              <a:alpha val="38000"/>
+            </a:srgbClr>
+          </a:outerShdw>
+        </a:effectLst>
+        <a:scene3d>
+          <a:camera prst="orthographicFront"/>
+          <a:lightRig rig="flat" dir="t"/>
+        </a:scene3d>
+        <a:sp3d prstMaterial="plastic">
+          <a:bevelT w="120900" h="88900"/>
+          <a:bevelB w="88900" h="31750" prst="angle"/>
+        </a:sp3d>
+      </dsp:spPr>
+      <dsp:style>
+        <a:lnRef idx="0">
+          <a:scrgbClr r="0" g="0" b="0"/>
+        </a:lnRef>
+        <a:fillRef idx="3">
+          <a:scrgbClr r="0" g="0" b="0"/>
+        </a:fillRef>
+        <a:effectRef idx="1">
+          <a:scrgbClr r="0" g="0" b="0"/>
+        </a:effectRef>
+        <a:fontRef idx="minor">
+          <a:schemeClr val="lt1"/>
+        </a:fontRef>
+      </dsp:style>
+      <dsp:txBody>
+        <a:bodyPr spcFirstLastPara="0" vert="horz" wrap="square" lIns="22860" tIns="22860" rIns="22860" bIns="22860" numCol="1" spcCol="1270" anchor="ctr" anchorCtr="0">
+          <a:noAutofit/>
+        </a:bodyPr>
+        <a:lstStyle/>
+        <a:p>
+          <a:pPr lvl="0" algn="ctr" defTabSz="1600200">
+            <a:lnSpc>
+              <a:spcPct val="90000"/>
+            </a:lnSpc>
+            <a:spcBef>
+              <a:spcPct val="0"/>
+            </a:spcBef>
+            <a:spcAft>
+              <a:spcPct val="35000"/>
+            </a:spcAft>
+          </a:pPr>
+          <a:r>
+            <a:rPr lang="en-US" sz="3600" kern="1200" dirty="0" smtClean="0"/>
+            <a:t>Alphabetical</a:t>
+          </a:r>
+          <a:endParaRPr lang="en-US" sz="3600" kern="1200" dirty="0"/>
+        </a:p>
+      </dsp:txBody>
+      <dsp:txXfrm>
+        <a:off x="3984321" y="1022593"/>
+        <a:ext cx="3317295" cy="1011774"/>
+      </dsp:txXfrm>
+    </dsp:sp>
+    <dsp:sp modelId="{B76CB394-EB81-4850-8825-D0CF203E004F}">
+      <dsp:nvSpPr>
+        <dsp:cNvPr id="0" name=""/>
+        <dsp:cNvSpPr/>
+      </dsp:nvSpPr>
+      <dsp:spPr>
+        <a:xfrm>
+          <a:off x="3984321" y="2449030"/>
+          <a:ext cx="3317295" cy="1011774"/>
+        </a:xfrm>
+        <a:prstGeom prst="rect">
+          <a:avLst/>
+        </a:prstGeom>
+        <a:gradFill rotWithShape="0">
+          <a:gsLst>
+            <a:gs pos="0">
+              <a:schemeClr val="accent4">
+                <a:shade val="80000"/>
+                <a:hueOff val="0"/>
+                <a:satOff val="0"/>
+                <a:lumOff val="0"/>
+                <a:alphaOff val="0"/>
+                <a:shade val="51000"/>
+                <a:satMod val="130000"/>
+              </a:schemeClr>
+            </a:gs>
+            <a:gs pos="80000">
+              <a:schemeClr val="accent4">
+                <a:shade val="80000"/>
+                <a:hueOff val="0"/>
+                <a:satOff val="0"/>
+                <a:lumOff val="0"/>
+                <a:alphaOff val="0"/>
+                <a:shade val="93000"/>
+                <a:satMod val="130000"/>
+              </a:schemeClr>
+            </a:gs>
+            <a:gs pos="100000">
+              <a:schemeClr val="accent4">
+                <a:shade val="80000"/>
+                <a:hueOff val="0"/>
+                <a:satOff val="0"/>
+                <a:lumOff val="0"/>
+                <a:alphaOff val="0"/>
+                <a:shade val="94000"/>
+                <a:satMod val="135000"/>
+              </a:schemeClr>
+            </a:gs>
+          </a:gsLst>
+          <a:lin ang="16200000" scaled="0"/>
+        </a:gradFill>
+        <a:ln>
+          <a:noFill/>
+        </a:ln>
+        <a:effectLst>
+          <a:outerShdw blurRad="40000" dist="20000" dir="5400000" rotWithShape="0">
+            <a:srgbClr val="000000">
+              <a:alpha val="38000"/>
+            </a:srgbClr>
+          </a:outerShdw>
+        </a:effectLst>
+        <a:scene3d>
+          <a:camera prst="orthographicFront"/>
+          <a:lightRig rig="flat" dir="t"/>
+        </a:scene3d>
+        <a:sp3d prstMaterial="plastic">
+          <a:bevelT w="120900" h="88900"/>
+          <a:bevelB w="88900" h="31750" prst="angle"/>
+        </a:sp3d>
+      </dsp:spPr>
+      <dsp:style>
+        <a:lnRef idx="0">
+          <a:scrgbClr r="0" g="0" b="0"/>
+        </a:lnRef>
+        <a:fillRef idx="3">
+          <a:scrgbClr r="0" g="0" b="0"/>
+        </a:fillRef>
+        <a:effectRef idx="1">
+          <a:scrgbClr r="0" g="0" b="0"/>
+        </a:effectRef>
+        <a:fontRef idx="minor">
+          <a:schemeClr val="lt1"/>
+        </a:fontRef>
+      </dsp:style>
+      <dsp:txBody>
+        <a:bodyPr spcFirstLastPara="0" vert="horz" wrap="square" lIns="22860" tIns="22860" rIns="22860" bIns="22860" numCol="1" spcCol="1270" anchor="ctr" anchorCtr="0">
+          <a:noAutofit/>
+        </a:bodyPr>
+        <a:lstStyle/>
+        <a:p>
+          <a:pPr lvl="0" algn="ctr" defTabSz="1600200">
+            <a:lnSpc>
+              <a:spcPct val="90000"/>
+            </a:lnSpc>
+            <a:spcBef>
+              <a:spcPct val="0"/>
+            </a:spcBef>
+            <a:spcAft>
+              <a:spcPct val="35000"/>
+            </a:spcAft>
+          </a:pPr>
+          <a:r>
+            <a:rPr lang="en-US" sz="3600" kern="1200" dirty="0" smtClean="0"/>
+            <a:t>Numerical</a:t>
+          </a:r>
+          <a:endParaRPr lang="en-US" sz="3600" kern="1200" dirty="0"/>
+        </a:p>
+      </dsp:txBody>
+      <dsp:txXfrm>
+        <a:off x="3984321" y="2449030"/>
+        <a:ext cx="3317295" cy="1011774"/>
+      </dsp:txXfrm>
+    </dsp:sp>
   </dsp:spTree>
 </dsp:drawing>
 </file>
@@ -3891,7 +4361,7 @@
           <a:p>
             <a:fld id="{F1FF3B48-0950-4C1F-BA13-AE6403E5C014}" type="datetimeFigureOut">
               <a:rPr lang="en-US" smtClean="0"/>
-              <a:t>19|7|4</a:t>
+              <a:t>19|7|5</a:t>
             </a:fld>
             <a:endParaRPr lang="en-US"/>
           </a:p>
@@ -4083,7 +4553,7 @@
           <a:p>
             <a:fld id="{F1FF3B48-0950-4C1F-BA13-AE6403E5C014}" type="datetimeFigureOut">
               <a:rPr lang="en-US" smtClean="0"/>
-              <a:t>19|7|4</a:t>
+              <a:t>19|7|5</a:t>
             </a:fld>
             <a:endParaRPr lang="en-US"/>
           </a:p>
@@ -6092,7 +6562,7 @@
           <a:p>
             <a:fld id="{F1FF3B48-0950-4C1F-BA13-AE6403E5C014}" type="datetimeFigureOut">
               <a:rPr lang="en-US" smtClean="0"/>
-              <a:t>19|7|4</a:t>
+              <a:t>19|7|5</a:t>
             </a:fld>
             <a:endParaRPr lang="en-US"/>
           </a:p>
@@ -6930,7 +7400,7 @@
           <a:p>
             <a:fld id="{F1FF3B48-0950-4C1F-BA13-AE6403E5C014}" type="datetimeFigureOut">
               <a:rPr lang="en-US" smtClean="0"/>
-              <a:t>19|7|4</a:t>
+              <a:t>19|7|5</a:t>
             </a:fld>
             <a:endParaRPr lang="en-US"/>
           </a:p>
@@ -7230,7 +7700,7 @@
           <a:p>
             <a:fld id="{F1FF3B48-0950-4C1F-BA13-AE6403E5C014}" type="datetimeFigureOut">
               <a:rPr lang="en-US" smtClean="0"/>
-              <a:t>19|7|4</a:t>
+              <a:t>19|7|5</a:t>
             </a:fld>
             <a:endParaRPr lang="en-US"/>
           </a:p>
@@ -7669,7 +8139,7 @@
           <a:p>
             <a:fld id="{F1FF3B48-0950-4C1F-BA13-AE6403E5C014}" type="datetimeFigureOut">
               <a:rPr lang="en-US" smtClean="0"/>
-              <a:t>19|7|4</a:t>
+              <a:t>19|7|5</a:t>
             </a:fld>
             <a:endParaRPr lang="en-US"/>
           </a:p>
@@ -7799,7 +8269,7 @@
           <a:p>
             <a:fld id="{F1FF3B48-0950-4C1F-BA13-AE6403E5C014}" type="datetimeFigureOut">
               <a:rPr lang="en-US" smtClean="0"/>
-              <a:t>19|7|4</a:t>
+              <a:t>19|7|5</a:t>
             </a:fld>
             <a:endParaRPr lang="en-US"/>
           </a:p>
@@ -7906,7 +8376,7 @@
           <a:p>
             <a:fld id="{F1FF3B48-0950-4C1F-BA13-AE6403E5C014}" type="datetimeFigureOut">
               <a:rPr lang="en-US" smtClean="0"/>
-              <a:t>19|7|4</a:t>
+              <a:t>19|7|5</a:t>
             </a:fld>
             <a:endParaRPr lang="en-US"/>
           </a:p>
@@ -8195,7 +8665,7 @@
           <a:p>
             <a:fld id="{F1FF3B48-0950-4C1F-BA13-AE6403E5C014}" type="datetimeFigureOut">
               <a:rPr lang="en-US" smtClean="0"/>
-              <a:t>19|7|4</a:t>
+              <a:t>19|7|5</a:t>
             </a:fld>
             <a:endParaRPr lang="en-US"/>
           </a:p>
@@ -8464,7 +8934,7 @@
           <a:p>
             <a:fld id="{F1FF3B48-0950-4C1F-BA13-AE6403E5C014}" type="datetimeFigureOut">
               <a:rPr lang="en-US" smtClean="0"/>
-              <a:t>19|7|4</a:t>
+              <a:t>19|7|5</a:t>
             </a:fld>
             <a:endParaRPr lang="en-US"/>
           </a:p>
@@ -8799,7 +9269,7 @@
           <a:p>
             <a:fld id="{F1FF3B48-0950-4C1F-BA13-AE6403E5C014}" type="datetimeFigureOut">
               <a:rPr lang="en-US" smtClean="0"/>
-              <a:t>19|7|4</a:t>
+              <a:t>19|7|5</a:t>
             </a:fld>
             <a:endParaRPr lang="en-US"/>
           </a:p>
@@ -12435,7 +12905,7 @@
           <a:p>
             <a:r>
               <a:rPr lang="en-US" sz="4400" dirty="0" smtClean="0"/>
-              <a:t>Logical Implementation</a:t>
+              <a:t>Primitive Operations</a:t>
             </a:r>
             <a:endParaRPr lang="en-US" sz="4400" dirty="0"/>
           </a:p>
@@ -12456,153 +12926,52 @@
           <a:bodyPr/>
           <a:lstStyle/>
           <a:p>
-            <a:pPr marL="0" indent="0">
-              <a:buNone/>
-            </a:pPr>
-            <a:r>
-              <a:rPr lang="en-US" sz="2800" b="1" dirty="0" smtClean="0">
-                <a:latin typeface="Courier New" panose="02070309020205020404" pitchFamily="49" charset="0"/>
-                <a:cs typeface="Courier New" panose="02070309020205020404" pitchFamily="49" charset="0"/>
-              </a:rPr>
-              <a:t>#define </a:t>
-            </a:r>
-            <a:r>
-              <a:rPr lang="en-US" sz="2800" dirty="0" smtClean="0">
-                <a:latin typeface="Courier New" panose="02070309020205020404" pitchFamily="49" charset="0"/>
-                <a:cs typeface="Courier New" panose="02070309020205020404" pitchFamily="49" charset="0"/>
-              </a:rPr>
-              <a:t>MAX 20</a:t>
-            </a:r>
-          </a:p>
-          <a:p>
-            <a:pPr marL="0" indent="0">
-              <a:buNone/>
-            </a:pPr>
-            <a:endParaRPr lang="en-US" sz="2800" b="1" dirty="0" smtClean="0">
-              <a:latin typeface="Courier New" panose="02070309020205020404" pitchFamily="49" charset="0"/>
-              <a:cs typeface="Courier New" panose="02070309020205020404" pitchFamily="49" charset="0"/>
-            </a:endParaRPr>
-          </a:p>
-          <a:p>
-            <a:pPr marL="0" indent="0">
-              <a:buNone/>
-            </a:pPr>
-            <a:r>
-              <a:rPr lang="en-US" sz="2800" b="1" dirty="0" err="1" smtClean="0">
-                <a:latin typeface="Courier New" panose="02070309020205020404" pitchFamily="49" charset="0"/>
-                <a:cs typeface="Courier New" panose="02070309020205020404" pitchFamily="49" charset="0"/>
-              </a:rPr>
-              <a:t>struct</a:t>
-            </a:r>
-            <a:r>
-              <a:rPr lang="en-US" sz="2800" b="1" dirty="0" smtClean="0">
-                <a:latin typeface="Courier New" panose="02070309020205020404" pitchFamily="49" charset="0"/>
-                <a:cs typeface="Courier New" panose="02070309020205020404" pitchFamily="49" charset="0"/>
-              </a:rPr>
-              <a:t> </a:t>
-            </a:r>
-            <a:r>
-              <a:rPr lang="en-US" sz="2800" dirty="0" err="1" smtClean="0">
-                <a:latin typeface="Courier New" panose="02070309020205020404" pitchFamily="49" charset="0"/>
-                <a:cs typeface="Courier New" panose="02070309020205020404" pitchFamily="49" charset="0"/>
-              </a:rPr>
-              <a:t>pQUEUE</a:t>
-            </a:r>
-            <a:r>
-              <a:rPr lang="en-US" sz="2800" dirty="0" smtClean="0">
-                <a:latin typeface="Courier New" panose="02070309020205020404" pitchFamily="49" charset="0"/>
-                <a:cs typeface="Courier New" panose="02070309020205020404" pitchFamily="49" charset="0"/>
-              </a:rPr>
-              <a:t> {</a:t>
-            </a:r>
-          </a:p>
-          <a:p>
-            <a:pPr marL="0" indent="0">
-              <a:buNone/>
-            </a:pPr>
-            <a:r>
-              <a:rPr lang="en-US" sz="2800" dirty="0">
-                <a:latin typeface="Courier New" panose="02070309020205020404" pitchFamily="49" charset="0"/>
-                <a:cs typeface="Courier New" panose="02070309020205020404" pitchFamily="49" charset="0"/>
-              </a:rPr>
-              <a:t>	</a:t>
-            </a:r>
-            <a:r>
-              <a:rPr lang="en-US" sz="2800" b="1" dirty="0" err="1" smtClean="0">
-                <a:latin typeface="Courier New" panose="02070309020205020404" pitchFamily="49" charset="0"/>
-                <a:cs typeface="Courier New" panose="02070309020205020404" pitchFamily="49" charset="0"/>
-              </a:rPr>
-              <a:t>int</a:t>
-            </a:r>
-            <a:r>
-              <a:rPr lang="en-US" sz="2800" b="1" dirty="0" smtClean="0">
-                <a:latin typeface="Courier New" panose="02070309020205020404" pitchFamily="49" charset="0"/>
-                <a:cs typeface="Courier New" panose="02070309020205020404" pitchFamily="49" charset="0"/>
-              </a:rPr>
-              <a:t> </a:t>
-            </a:r>
-            <a:r>
-              <a:rPr lang="en-US" sz="2800" dirty="0" smtClean="0">
-                <a:latin typeface="Courier New" panose="02070309020205020404" pitchFamily="49" charset="0"/>
-                <a:cs typeface="Courier New" panose="02070309020205020404" pitchFamily="49" charset="0"/>
-              </a:rPr>
-              <a:t>item[MAX];</a:t>
-            </a:r>
-          </a:p>
-          <a:p>
-            <a:pPr marL="0" indent="0">
-              <a:buNone/>
-            </a:pPr>
-            <a:r>
-              <a:rPr lang="en-US" sz="2800" dirty="0">
-                <a:latin typeface="Courier New" panose="02070309020205020404" pitchFamily="49" charset="0"/>
-                <a:cs typeface="Courier New" panose="02070309020205020404" pitchFamily="49" charset="0"/>
-              </a:rPr>
-              <a:t>	</a:t>
-            </a:r>
-            <a:r>
-              <a:rPr lang="en-US" sz="2800" b="1" dirty="0" err="1" smtClean="0">
-                <a:latin typeface="Courier New" panose="02070309020205020404" pitchFamily="49" charset="0"/>
-                <a:cs typeface="Courier New" panose="02070309020205020404" pitchFamily="49" charset="0"/>
-              </a:rPr>
-              <a:t>int</a:t>
-            </a:r>
-            <a:r>
-              <a:rPr lang="en-US" sz="2800" b="1" dirty="0" smtClean="0">
-                <a:latin typeface="Courier New" panose="02070309020205020404" pitchFamily="49" charset="0"/>
-                <a:cs typeface="Courier New" panose="02070309020205020404" pitchFamily="49" charset="0"/>
-              </a:rPr>
-              <a:t> </a:t>
-            </a:r>
-            <a:r>
-              <a:rPr lang="en-US" sz="2800" dirty="0" smtClean="0">
-                <a:latin typeface="Courier New" panose="02070309020205020404" pitchFamily="49" charset="0"/>
-                <a:cs typeface="Courier New" panose="02070309020205020404" pitchFamily="49" charset="0"/>
-              </a:rPr>
-              <a:t>priority; </a:t>
-            </a:r>
-            <a:r>
-              <a:rPr lang="en-US" sz="2800" dirty="0">
-                <a:latin typeface="Courier New" panose="02070309020205020404" pitchFamily="49" charset="0"/>
-                <a:cs typeface="Courier New" panose="02070309020205020404" pitchFamily="49" charset="0"/>
-              </a:rPr>
-              <a:t>	</a:t>
-            </a:r>
-            <a:endParaRPr lang="en-US" sz="2800" dirty="0" smtClean="0">
-              <a:latin typeface="Courier New" panose="02070309020205020404" pitchFamily="49" charset="0"/>
-              <a:cs typeface="Courier New" panose="02070309020205020404" pitchFamily="49" charset="0"/>
-            </a:endParaRPr>
-          </a:p>
-          <a:p>
-            <a:pPr marL="0" indent="0">
-              <a:buNone/>
-            </a:pPr>
-            <a:r>
-              <a:rPr lang="en-US" sz="2800" dirty="0">
-                <a:latin typeface="Courier New" panose="02070309020205020404" pitchFamily="49" charset="0"/>
-                <a:cs typeface="Courier New" panose="02070309020205020404" pitchFamily="49" charset="0"/>
-              </a:rPr>
-              <a:t>}</a:t>
+            <a:r>
+              <a:rPr lang="en-US" sz="2800" dirty="0" err="1" smtClean="0"/>
+              <a:t>isEmpty</a:t>
+            </a:r>
+            <a:r>
+              <a:rPr lang="en-US" sz="2800" dirty="0" smtClean="0"/>
+              <a:t>() – Check whether queue is empty.</a:t>
+            </a:r>
+          </a:p>
+          <a:p>
+            <a:endParaRPr lang="en-US" sz="2800" dirty="0" smtClean="0"/>
+          </a:p>
+          <a:p>
+            <a:r>
+              <a:rPr lang="en-US" sz="2800" dirty="0" err="1" smtClean="0"/>
+              <a:t>isFull</a:t>
+            </a:r>
+            <a:r>
+              <a:rPr lang="en-US" sz="2800" dirty="0" smtClean="0"/>
+              <a:t>() </a:t>
+            </a:r>
+            <a:r>
+              <a:rPr lang="en-US" sz="2800" dirty="0"/>
+              <a:t>– Check whether queue </a:t>
+            </a:r>
+            <a:r>
+              <a:rPr lang="en-US" sz="2800" dirty="0" smtClean="0"/>
+              <a:t>is full.</a:t>
+            </a:r>
+          </a:p>
+          <a:p>
+            <a:endParaRPr lang="en-US" sz="2800" dirty="0"/>
+          </a:p>
+          <a:p>
+            <a:r>
+              <a:rPr lang="en-US" sz="2800" dirty="0" smtClean="0"/>
+              <a:t>insert(item, priority) – Inserts “item” with “priority” onto queue.</a:t>
+            </a:r>
+          </a:p>
+          <a:p>
+            <a:endParaRPr lang="en-US" sz="2800" dirty="0" smtClean="0"/>
+          </a:p>
+          <a:p>
+            <a:r>
+              <a:rPr lang="en-US" sz="2800" dirty="0" smtClean="0"/>
+              <a:t>remove() – Removes the “item” with highest priority.</a:t>
             </a:r>
           </a:p>
         </p:txBody>
@@ -12610,7 +12979,7 @@
     </p:spTree>
     <p:extLst>
       <p:ext uri="{BB962C8B-B14F-4D97-AF65-F5344CB8AC3E}">
-        <p14:creationId xmlns:p14="http://schemas.microsoft.com/office/powerpoint/2010/main" val="641594614"/>
+        <p14:creationId xmlns:p14="http://schemas.microsoft.com/office/powerpoint/2010/main" val="883315879"/>
       </p:ext>
     </p:extLst>
   </p:cSld>
@@ -12654,9 +13023,9 @@
           <a:p>
             <a:r>
               <a:rPr lang="en-US" sz="4400" dirty="0" smtClean="0"/>
-              <a:t>Primitive Operations</a:t>
-            </a:r>
-            <a:endParaRPr lang="en-US" sz="4400" dirty="0"/>
+              <a:t>Applications</a:t>
+            </a:r>
+            <a:endParaRPr lang="en-US" dirty="0"/>
           </a:p>
         </p:txBody>
       </p:sp>
@@ -12676,124 +13045,6 @@
           <a:lstStyle/>
           <a:p>
             <a:r>
-              <a:rPr lang="en-US" sz="2800" dirty="0" err="1" smtClean="0"/>
-              <a:t>isEmpty</a:t>
-            </a:r>
-            <a:r>
-              <a:rPr lang="en-US" sz="2800" dirty="0" smtClean="0"/>
-              <a:t>() – Check whether queue is empty.</a:t>
-            </a:r>
-          </a:p>
-          <a:p>
-            <a:endParaRPr lang="en-US" sz="2800" dirty="0" smtClean="0"/>
-          </a:p>
-          <a:p>
-            <a:r>
-              <a:rPr lang="en-US" sz="2800" dirty="0" err="1" smtClean="0"/>
-              <a:t>isFull</a:t>
-            </a:r>
-            <a:r>
-              <a:rPr lang="en-US" sz="2800" dirty="0" smtClean="0"/>
-              <a:t>() </a:t>
-            </a:r>
-            <a:r>
-              <a:rPr lang="en-US" sz="2800" dirty="0"/>
-              <a:t>– Check whether queue </a:t>
-            </a:r>
-            <a:r>
-              <a:rPr lang="en-US" sz="2800" dirty="0" smtClean="0"/>
-              <a:t>is full.</a:t>
-            </a:r>
-          </a:p>
-          <a:p>
-            <a:endParaRPr lang="en-US" sz="2800" dirty="0"/>
-          </a:p>
-          <a:p>
-            <a:r>
-              <a:rPr lang="en-US" sz="2800" dirty="0" smtClean="0"/>
-              <a:t>insert(item, priority) – Inserts “item” with “priority” onto queue.</a:t>
-            </a:r>
-          </a:p>
-          <a:p>
-            <a:endParaRPr lang="en-US" sz="2800" dirty="0" smtClean="0"/>
-          </a:p>
-          <a:p>
-            <a:r>
-              <a:rPr lang="en-US" sz="2800" dirty="0" smtClean="0"/>
-              <a:t>remove() – Removes the “item” with highest priority.</a:t>
-            </a:r>
-          </a:p>
-        </p:txBody>
-      </p:sp>
-    </p:spTree>
-    <p:extLst>
-      <p:ext uri="{BB962C8B-B14F-4D97-AF65-F5344CB8AC3E}">
-        <p14:creationId xmlns:p14="http://schemas.microsoft.com/office/powerpoint/2010/main" val="883315879"/>
-      </p:ext>
-    </p:extLst>
-  </p:cSld>
-  <p:clrMapOvr>
-    <a:masterClrMapping/>
-  </p:clrMapOvr>
-</p:sld>
-</file>
-
-<file path=ppt/slides/slide8.xml><?xml version="1.0" encoding="utf-8"?>
-<p:sld xmlns:a="http://schemas.openxmlformats.org/drawingml/2006/main" xmlns:r="http://schemas.openxmlformats.org/officeDocument/2006/relationships" xmlns:p="http://schemas.openxmlformats.org/presentationml/2006/main">
-  <p:cSld>
-    <p:spTree>
-      <p:nvGrpSpPr>
-        <p:cNvPr id="1" name=""/>
-        <p:cNvGrpSpPr/>
-        <p:nvPr/>
-      </p:nvGrpSpPr>
-      <p:grpSpPr>
-        <a:xfrm>
-          <a:off x="0" y="0"/>
-          <a:ext cx="0" cy="0"/>
-          <a:chOff x="0" y="0"/>
-          <a:chExt cx="0" cy="0"/>
-        </a:xfrm>
-      </p:grpSpPr>
-      <p:sp>
-        <p:nvSpPr>
-          <p:cNvPr id="2" name="Title 1"/>
-          <p:cNvSpPr>
-            <a:spLocks noGrp="1"/>
-          </p:cNvSpPr>
-          <p:nvPr>
-            <p:ph type="title"/>
-          </p:nvPr>
-        </p:nvSpPr>
-        <p:spPr/>
-        <p:txBody>
-          <a:bodyPr/>
-          <a:lstStyle/>
-          <a:p>
-            <a:r>
-              <a:rPr lang="en-US" sz="4400" dirty="0" smtClean="0"/>
-              <a:t>Applications</a:t>
-            </a:r>
-            <a:endParaRPr lang="en-US" dirty="0"/>
-          </a:p>
-        </p:txBody>
-      </p:sp>
-      <p:sp>
-        <p:nvSpPr>
-          <p:cNvPr id="3" name="Content Placeholder 2"/>
-          <p:cNvSpPr>
-            <a:spLocks noGrp="1"/>
-          </p:cNvSpPr>
-          <p:nvPr>
-            <p:ph idx="1"/>
-          </p:nvPr>
-        </p:nvSpPr>
-        <p:spPr/>
-        <p:txBody>
-          <a:bodyPr/>
-          <a:lstStyle/>
-          <a:p>
-            <a:r>
               <a:rPr lang="en-US" sz="2800" dirty="0" smtClean="0"/>
               <a:t>CPU Scheduling.</a:t>
             </a:r>
@@ -12832,7 +13083,7 @@
 </p:sld>
 </file>
 
-<file path=ppt/slides/slide9.xml><?xml version="1.0" encoding="utf-8"?>
+<file path=ppt/slides/slide8.xml><?xml version="1.0" encoding="utf-8"?>
 <p:sld xmlns:a="http://schemas.openxmlformats.org/drawingml/2006/main" xmlns:r="http://schemas.openxmlformats.org/officeDocument/2006/relationships" xmlns:p="http://schemas.openxmlformats.org/presentationml/2006/main">
   <p:cSld>
     <p:spTree>
